--- a/Big Data.pptx
+++ b/Big Data.pptx
@@ -15,6 +15,11 @@
     <p:sldId id="263" r:id="rId9"/>
     <p:sldId id="264" r:id="rId10"/>
     <p:sldId id="265" r:id="rId11"/>
+    <p:sldId id="266" r:id="rId12"/>
+    <p:sldId id="267" r:id="rId13"/>
+    <p:sldId id="268" r:id="rId14"/>
+    <p:sldId id="269" r:id="rId15"/>
+    <p:sldId id="270" r:id="rId16"/>
   </p:sldIdLst>
   <p:sldSz cx="12192000" cy="6858000"/>
   <p:notesSz cx="6858000" cy="9144000"/>
@@ -113,6 +118,11 @@
       </a:defRPr>
     </a:lvl9pPr>
   </p:defaultTextStyle>
+  <p:extLst>
+    <p:ext uri="{EFAFB233-063F-42B5-8137-9DF3F51BA10A}">
+      <p15:sldGuideLst xmlns:p15="http://schemas.microsoft.com/office/powerpoint/2012/main"/>
+    </p:ext>
+  </p:extLst>
 </p:presentation>
 </file>
 
@@ -3946,7 +3956,12 @@
             <p:ph sz="half" idx="1"/>
           </p:nvPr>
         </p:nvSpPr>
-        <p:spPr/>
+        <p:spPr>
+          <a:xfrm>
+            <a:off x="1371600" y="2285999"/>
+            <a:ext cx="2259367" cy="3581401"/>
+          </a:xfrm>
+        </p:spPr>
         <p:txBody>
           <a:bodyPr>
             <a:normAutofit/>
@@ -3976,10 +3991,10 @@
       </p:sp>
       <p:pic>
         <p:nvPicPr>
-          <p:cNvPr id="7" name="Content Placeholder 6">
+          <p:cNvPr id="16" name="Content Placeholder 15">
             <a:extLst>
               <a:ext uri="{FF2B5EF4-FFF2-40B4-BE49-F238E27FC236}">
-                <a16:creationId xmlns:a16="http://schemas.microsoft.com/office/drawing/2014/main" id="{D131621B-D521-475B-A0C6-D5674A7E1AFC}"/>
+                <a16:creationId xmlns:a16="http://schemas.microsoft.com/office/drawing/2014/main" id="{6E755A7D-93F9-4870-88F7-619E591E5B2A}"/>
               </a:ext>
             </a:extLst>
           </p:cNvPr>
@@ -3998,8 +4013,8 @@
         </p:blipFill>
         <p:spPr>
           <a:xfrm>
-            <a:off x="5841487" y="3098307"/>
-            <a:ext cx="6331052" cy="2130641"/>
+            <a:off x="3708597" y="2636668"/>
+            <a:ext cx="7264204" cy="2075485"/>
           </a:xfrm>
         </p:spPr>
       </p:pic>
@@ -4007,6 +4022,905 @@
     <p:extLst>
       <p:ext uri="{BB962C8B-B14F-4D97-AF65-F5344CB8AC3E}">
         <p14:creationId xmlns:p14="http://schemas.microsoft.com/office/powerpoint/2010/main" val="3415896624"/>
+      </p:ext>
+    </p:extLst>
+  </p:cSld>
+  <p:clrMapOvr>
+    <a:masterClrMapping/>
+  </p:clrMapOvr>
+</p:sld>
+</file>
+
+<file path=ppt/slides/slide11.xml><?xml version="1.0" encoding="utf-8"?>
+<p:sld xmlns:a="http://schemas.openxmlformats.org/drawingml/2006/main" xmlns:r="http://schemas.openxmlformats.org/officeDocument/2006/relationships" xmlns:p="http://schemas.openxmlformats.org/presentationml/2006/main">
+  <p:cSld>
+    <p:spTree>
+      <p:nvGrpSpPr>
+        <p:cNvPr id="1" name=""/>
+        <p:cNvGrpSpPr/>
+        <p:nvPr/>
+      </p:nvGrpSpPr>
+      <p:grpSpPr>
+        <a:xfrm>
+          <a:off x="0" y="0"/>
+          <a:ext cx="0" cy="0"/>
+          <a:chOff x="0" y="0"/>
+          <a:chExt cx="0" cy="0"/>
+        </a:xfrm>
+      </p:grpSpPr>
+      <p:sp>
+        <p:nvSpPr>
+          <p:cNvPr id="2" name="Title 1">
+            <a:extLst>
+              <a:ext uri="{FF2B5EF4-FFF2-40B4-BE49-F238E27FC236}">
+                <a16:creationId xmlns:a16="http://schemas.microsoft.com/office/drawing/2014/main" id="{344A412A-9697-4C5A-92F6-2ABB72BF6043}"/>
+              </a:ext>
+            </a:extLst>
+          </p:cNvPr>
+          <p:cNvSpPr>
+            <a:spLocks noGrp="1"/>
+          </p:cNvSpPr>
+          <p:nvPr>
+            <p:ph type="title"/>
+          </p:nvPr>
+        </p:nvSpPr>
+        <p:spPr/>
+        <p:txBody>
+          <a:bodyPr/>
+          <a:lstStyle/>
+          <a:p>
+            <a:r>
+              <a:rPr lang="en-US" dirty="0" err="1"/>
+              <a:t>Testiranje</a:t>
+            </a:r>
+            <a:r>
+              <a:rPr lang="en-US" dirty="0"/>
+              <a:t> </a:t>
+            </a:r>
+            <a:r>
+              <a:rPr lang="en-US" dirty="0" err="1"/>
+              <a:t>modela</a:t>
+            </a:r>
+            <a:endParaRPr lang="en-US" dirty="0"/>
+          </a:p>
+        </p:txBody>
+      </p:sp>
+      <p:sp>
+        <p:nvSpPr>
+          <p:cNvPr id="8" name="Content Placeholder 7">
+            <a:extLst>
+              <a:ext uri="{FF2B5EF4-FFF2-40B4-BE49-F238E27FC236}">
+                <a16:creationId xmlns:a16="http://schemas.microsoft.com/office/drawing/2014/main" id="{DE648A92-0005-4093-9AC2-9C3BC44C26EC}"/>
+              </a:ext>
+            </a:extLst>
+          </p:cNvPr>
+          <p:cNvSpPr>
+            <a:spLocks noGrp="1"/>
+          </p:cNvSpPr>
+          <p:nvPr>
+            <p:ph sz="half" idx="1"/>
+          </p:nvPr>
+        </p:nvSpPr>
+        <p:spPr>
+          <a:xfrm>
+            <a:off x="1371600" y="2285999"/>
+            <a:ext cx="2809783" cy="3581401"/>
+          </a:xfrm>
+        </p:spPr>
+        <p:txBody>
+          <a:bodyPr>
+            <a:normAutofit/>
+          </a:bodyPr>
+          <a:lstStyle/>
+          <a:p>
+            <a:r>
+              <a:rPr lang="en-US" dirty="0"/>
+              <a:t>Druga </a:t>
+            </a:r>
+            <a:r>
+              <a:rPr lang="en-US" dirty="0" err="1"/>
+              <a:t>aplikacija</a:t>
+            </a:r>
+            <a:r>
+              <a:rPr lang="en-US" dirty="0"/>
+              <a:t> je </a:t>
+            </a:r>
+            <a:r>
+              <a:rPr lang="en-US" dirty="0" err="1"/>
+              <a:t>takodje</a:t>
+            </a:r>
+            <a:r>
+              <a:rPr lang="en-US" dirty="0"/>
+              <a:t> </a:t>
+            </a:r>
+            <a:r>
+              <a:rPr lang="en-US" dirty="0" err="1"/>
+              <a:t>sastavljena</a:t>
+            </a:r>
+            <a:r>
+              <a:rPr lang="en-US" dirty="0"/>
+              <a:t> od </a:t>
+            </a:r>
+            <a:r>
+              <a:rPr lang="en-US" dirty="0" err="1"/>
+              <a:t>Prodroducera</a:t>
+            </a:r>
+            <a:r>
+              <a:rPr lang="en-US" dirty="0"/>
+              <a:t> </a:t>
+            </a:r>
+            <a:r>
+              <a:rPr lang="en-US" dirty="0" err="1"/>
+              <a:t>i</a:t>
+            </a:r>
+            <a:r>
+              <a:rPr lang="en-US" dirty="0"/>
+              <a:t> Consumer-a.</a:t>
+            </a:r>
+          </a:p>
+          <a:p>
+            <a:r>
+              <a:rPr lang="en-US" dirty="0"/>
+              <a:t>Producer </a:t>
+            </a:r>
+            <a:r>
+              <a:rPr lang="en-US" dirty="0" err="1"/>
+              <a:t>cita</a:t>
+            </a:r>
+            <a:r>
+              <a:rPr lang="en-US" dirty="0"/>
+              <a:t> </a:t>
+            </a:r>
+            <a:r>
+              <a:rPr lang="en-US" dirty="0" err="1"/>
+              <a:t>podatke</a:t>
+            </a:r>
+            <a:r>
+              <a:rPr lang="en-US" dirty="0"/>
+              <a:t> </a:t>
+            </a:r>
+            <a:r>
+              <a:rPr lang="en-US" dirty="0" err="1"/>
+              <a:t>sa</a:t>
+            </a:r>
+            <a:r>
+              <a:rPr lang="en-US" dirty="0"/>
+              <a:t> HDFS-a </a:t>
+            </a:r>
+            <a:r>
+              <a:rPr lang="en-US" dirty="0" err="1"/>
+              <a:t>i</a:t>
+            </a:r>
+            <a:r>
+              <a:rPr lang="en-US" dirty="0"/>
+              <a:t> </a:t>
+            </a:r>
+            <a:r>
+              <a:rPr lang="en-US" dirty="0" err="1"/>
+              <a:t>salje</a:t>
+            </a:r>
+            <a:r>
+              <a:rPr lang="en-US" dirty="0"/>
+              <a:t> </a:t>
+            </a:r>
+            <a:r>
+              <a:rPr lang="en-US" dirty="0" err="1"/>
+              <a:t>na</a:t>
+            </a:r>
+            <a:r>
+              <a:rPr lang="en-US" dirty="0"/>
+              <a:t> topic. </a:t>
+            </a:r>
+          </a:p>
+        </p:txBody>
+      </p:sp>
+      <p:pic>
+        <p:nvPicPr>
+          <p:cNvPr id="7" name="Content Placeholder 6">
+            <a:extLst>
+              <a:ext uri="{FF2B5EF4-FFF2-40B4-BE49-F238E27FC236}">
+                <a16:creationId xmlns:a16="http://schemas.microsoft.com/office/drawing/2014/main" id="{262E59C6-EC88-4AE5-95F1-76F017998E49}"/>
+              </a:ext>
+            </a:extLst>
+          </p:cNvPr>
+          <p:cNvPicPr>
+            <a:picLocks noGrp="1" noChangeAspect="1"/>
+          </p:cNvPicPr>
+          <p:nvPr>
+            <p:ph sz="half" idx="2"/>
+          </p:nvPr>
+        </p:nvPicPr>
+        <p:blipFill>
+          <a:blip r:embed="rId2"/>
+          <a:stretch>
+            <a:fillRect/>
+          </a:stretch>
+        </p:blipFill>
+        <p:spPr>
+          <a:xfrm>
+            <a:off x="4743887" y="1917577"/>
+            <a:ext cx="6866592" cy="3701988"/>
+          </a:xfrm>
+        </p:spPr>
+      </p:pic>
+    </p:spTree>
+    <p:extLst>
+      <p:ext uri="{BB962C8B-B14F-4D97-AF65-F5344CB8AC3E}">
+        <p14:creationId xmlns:p14="http://schemas.microsoft.com/office/powerpoint/2010/main" val="3880634620"/>
+      </p:ext>
+    </p:extLst>
+  </p:cSld>
+  <p:clrMapOvr>
+    <a:masterClrMapping/>
+  </p:clrMapOvr>
+</p:sld>
+</file>
+
+<file path=ppt/slides/slide12.xml><?xml version="1.0" encoding="utf-8"?>
+<p:sld xmlns:a="http://schemas.openxmlformats.org/drawingml/2006/main" xmlns:r="http://schemas.openxmlformats.org/officeDocument/2006/relationships" xmlns:p="http://schemas.openxmlformats.org/presentationml/2006/main">
+  <p:cSld>
+    <p:spTree>
+      <p:nvGrpSpPr>
+        <p:cNvPr id="1" name=""/>
+        <p:cNvGrpSpPr/>
+        <p:nvPr/>
+      </p:nvGrpSpPr>
+      <p:grpSpPr>
+        <a:xfrm>
+          <a:off x="0" y="0"/>
+          <a:ext cx="0" cy="0"/>
+          <a:chOff x="0" y="0"/>
+          <a:chExt cx="0" cy="0"/>
+        </a:xfrm>
+      </p:grpSpPr>
+      <p:sp>
+        <p:nvSpPr>
+          <p:cNvPr id="2" name="Title 1">
+            <a:extLst>
+              <a:ext uri="{FF2B5EF4-FFF2-40B4-BE49-F238E27FC236}">
+                <a16:creationId xmlns:a16="http://schemas.microsoft.com/office/drawing/2014/main" id="{344A412A-9697-4C5A-92F6-2ABB72BF6043}"/>
+              </a:ext>
+            </a:extLst>
+          </p:cNvPr>
+          <p:cNvSpPr>
+            <a:spLocks noGrp="1"/>
+          </p:cNvSpPr>
+          <p:nvPr>
+            <p:ph type="title"/>
+          </p:nvPr>
+        </p:nvSpPr>
+        <p:spPr/>
+        <p:txBody>
+          <a:bodyPr/>
+          <a:lstStyle/>
+          <a:p>
+            <a:r>
+              <a:rPr lang="en-US" dirty="0" err="1"/>
+              <a:t>Testiranje</a:t>
+            </a:r>
+            <a:r>
+              <a:rPr lang="en-US" dirty="0"/>
+              <a:t> </a:t>
+            </a:r>
+            <a:r>
+              <a:rPr lang="en-US" dirty="0" err="1"/>
+              <a:t>modela</a:t>
+            </a:r>
+            <a:endParaRPr lang="en-US" dirty="0"/>
+          </a:p>
+        </p:txBody>
+      </p:sp>
+      <p:sp>
+        <p:nvSpPr>
+          <p:cNvPr id="8" name="Content Placeholder 7">
+            <a:extLst>
+              <a:ext uri="{FF2B5EF4-FFF2-40B4-BE49-F238E27FC236}">
+                <a16:creationId xmlns:a16="http://schemas.microsoft.com/office/drawing/2014/main" id="{DE648A92-0005-4093-9AC2-9C3BC44C26EC}"/>
+              </a:ext>
+            </a:extLst>
+          </p:cNvPr>
+          <p:cNvSpPr>
+            <a:spLocks noGrp="1"/>
+          </p:cNvSpPr>
+          <p:nvPr>
+            <p:ph sz="half" idx="1"/>
+          </p:nvPr>
+        </p:nvSpPr>
+        <p:spPr>
+          <a:xfrm>
+            <a:off x="1371600" y="2285999"/>
+            <a:ext cx="2809783" cy="3581401"/>
+          </a:xfrm>
+        </p:spPr>
+        <p:txBody>
+          <a:bodyPr>
+            <a:normAutofit/>
+          </a:bodyPr>
+          <a:lstStyle/>
+          <a:p>
+            <a:r>
+              <a:rPr lang="en-US" dirty="0"/>
+              <a:t>Consumer </a:t>
+            </a:r>
+            <a:r>
+              <a:rPr lang="en-US" dirty="0" err="1"/>
+              <a:t>kreira</a:t>
+            </a:r>
+            <a:r>
+              <a:rPr lang="en-US" dirty="0"/>
+              <a:t> read stream </a:t>
+            </a:r>
+            <a:r>
+              <a:rPr lang="en-US" dirty="0" err="1"/>
+              <a:t>objekat</a:t>
+            </a:r>
+            <a:r>
+              <a:rPr lang="en-US" dirty="0"/>
+              <a:t>. </a:t>
+            </a:r>
+            <a:r>
+              <a:rPr lang="en-US" dirty="0" err="1"/>
+              <a:t>i</a:t>
+            </a:r>
+            <a:r>
+              <a:rPr lang="en-US" dirty="0"/>
+              <a:t> </a:t>
+            </a:r>
+            <a:r>
+              <a:rPr lang="en-US" dirty="0" err="1"/>
+              <a:t>konvertuje</a:t>
+            </a:r>
+            <a:r>
+              <a:rPr lang="en-US" dirty="0"/>
+              <a:t> </a:t>
+            </a:r>
+            <a:r>
+              <a:rPr lang="en-US" dirty="0" err="1"/>
+              <a:t>baytove</a:t>
+            </a:r>
+            <a:r>
+              <a:rPr lang="en-US" dirty="0"/>
+              <a:t> u string.</a:t>
+            </a:r>
+          </a:p>
+        </p:txBody>
+      </p:sp>
+      <p:pic>
+        <p:nvPicPr>
+          <p:cNvPr id="6" name="Content Placeholder 5">
+            <a:extLst>
+              <a:ext uri="{FF2B5EF4-FFF2-40B4-BE49-F238E27FC236}">
+                <a16:creationId xmlns:a16="http://schemas.microsoft.com/office/drawing/2014/main" id="{003E231B-E78D-4A0A-944A-F18C68694721}"/>
+              </a:ext>
+            </a:extLst>
+          </p:cNvPr>
+          <p:cNvPicPr>
+            <a:picLocks noGrp="1" noChangeAspect="1"/>
+          </p:cNvPicPr>
+          <p:nvPr>
+            <p:ph sz="half" idx="2"/>
+          </p:nvPr>
+        </p:nvPicPr>
+        <p:blipFill>
+          <a:blip r:embed="rId2"/>
+          <a:stretch>
+            <a:fillRect/>
+          </a:stretch>
+        </p:blipFill>
+        <p:spPr>
+          <a:xfrm>
+            <a:off x="5211345" y="2285999"/>
+            <a:ext cx="5761455" cy="2916587"/>
+          </a:xfrm>
+        </p:spPr>
+      </p:pic>
+    </p:spTree>
+    <p:extLst>
+      <p:ext uri="{BB962C8B-B14F-4D97-AF65-F5344CB8AC3E}">
+        <p14:creationId xmlns:p14="http://schemas.microsoft.com/office/powerpoint/2010/main" val="2070647913"/>
+      </p:ext>
+    </p:extLst>
+  </p:cSld>
+  <p:clrMapOvr>
+    <a:masterClrMapping/>
+  </p:clrMapOvr>
+</p:sld>
+</file>
+
+<file path=ppt/slides/slide13.xml><?xml version="1.0" encoding="utf-8"?>
+<p:sld xmlns:a="http://schemas.openxmlformats.org/drawingml/2006/main" xmlns:r="http://schemas.openxmlformats.org/officeDocument/2006/relationships" xmlns:p="http://schemas.openxmlformats.org/presentationml/2006/main">
+  <p:cSld>
+    <p:spTree>
+      <p:nvGrpSpPr>
+        <p:cNvPr id="1" name=""/>
+        <p:cNvGrpSpPr/>
+        <p:nvPr/>
+      </p:nvGrpSpPr>
+      <p:grpSpPr>
+        <a:xfrm>
+          <a:off x="0" y="0"/>
+          <a:ext cx="0" cy="0"/>
+          <a:chOff x="0" y="0"/>
+          <a:chExt cx="0" cy="0"/>
+        </a:xfrm>
+      </p:grpSpPr>
+      <p:sp>
+        <p:nvSpPr>
+          <p:cNvPr id="2" name="Title 1">
+            <a:extLst>
+              <a:ext uri="{FF2B5EF4-FFF2-40B4-BE49-F238E27FC236}">
+                <a16:creationId xmlns:a16="http://schemas.microsoft.com/office/drawing/2014/main" id="{344A412A-9697-4C5A-92F6-2ABB72BF6043}"/>
+              </a:ext>
+            </a:extLst>
+          </p:cNvPr>
+          <p:cNvSpPr>
+            <a:spLocks noGrp="1"/>
+          </p:cNvSpPr>
+          <p:nvPr>
+            <p:ph type="title"/>
+          </p:nvPr>
+        </p:nvSpPr>
+        <p:spPr/>
+        <p:txBody>
+          <a:bodyPr/>
+          <a:lstStyle/>
+          <a:p>
+            <a:r>
+              <a:rPr lang="en-US" dirty="0" err="1"/>
+              <a:t>Testiranje</a:t>
+            </a:r>
+            <a:r>
+              <a:rPr lang="en-US" dirty="0"/>
+              <a:t> </a:t>
+            </a:r>
+            <a:r>
+              <a:rPr lang="en-US" dirty="0" err="1"/>
+              <a:t>modela</a:t>
+            </a:r>
+            <a:endParaRPr lang="en-US" dirty="0"/>
+          </a:p>
+        </p:txBody>
+      </p:sp>
+      <p:sp>
+        <p:nvSpPr>
+          <p:cNvPr id="8" name="Content Placeholder 7">
+            <a:extLst>
+              <a:ext uri="{FF2B5EF4-FFF2-40B4-BE49-F238E27FC236}">
+                <a16:creationId xmlns:a16="http://schemas.microsoft.com/office/drawing/2014/main" id="{DE648A92-0005-4093-9AC2-9C3BC44C26EC}"/>
+              </a:ext>
+            </a:extLst>
+          </p:cNvPr>
+          <p:cNvSpPr>
+            <a:spLocks noGrp="1"/>
+          </p:cNvSpPr>
+          <p:nvPr>
+            <p:ph sz="half" idx="1"/>
+          </p:nvPr>
+        </p:nvSpPr>
+        <p:spPr>
+          <a:xfrm>
+            <a:off x="1371600" y="2285999"/>
+            <a:ext cx="2809783" cy="3581401"/>
+          </a:xfrm>
+        </p:spPr>
+        <p:txBody>
+          <a:bodyPr>
+            <a:normAutofit/>
+          </a:bodyPr>
+          <a:lstStyle/>
+          <a:p>
+            <a:r>
+              <a:rPr lang="en-US" dirty="0" err="1"/>
+              <a:t>Cita</a:t>
+            </a:r>
+            <a:r>
+              <a:rPr lang="en-US" dirty="0"/>
+              <a:t> model </a:t>
+            </a:r>
+            <a:r>
+              <a:rPr lang="en-US" dirty="0" err="1"/>
+              <a:t>sa</a:t>
+            </a:r>
+            <a:r>
+              <a:rPr lang="en-US" dirty="0"/>
+              <a:t> HDFS-a.</a:t>
+            </a:r>
+          </a:p>
+        </p:txBody>
+      </p:sp>
+      <p:pic>
+        <p:nvPicPr>
+          <p:cNvPr id="7" name="Content Placeholder 6">
+            <a:extLst>
+              <a:ext uri="{FF2B5EF4-FFF2-40B4-BE49-F238E27FC236}">
+                <a16:creationId xmlns:a16="http://schemas.microsoft.com/office/drawing/2014/main" id="{23ED4CE8-539E-4384-A9FC-8243C05A0F50}"/>
+              </a:ext>
+            </a:extLst>
+          </p:cNvPr>
+          <p:cNvPicPr>
+            <a:picLocks noGrp="1" noChangeAspect="1"/>
+          </p:cNvPicPr>
+          <p:nvPr>
+            <p:ph sz="half" idx="2"/>
+          </p:nvPr>
+        </p:nvPicPr>
+        <p:blipFill>
+          <a:blip r:embed="rId2"/>
+          <a:stretch>
+            <a:fillRect/>
+          </a:stretch>
+        </p:blipFill>
+        <p:spPr>
+          <a:xfrm>
+            <a:off x="4480845" y="3515557"/>
+            <a:ext cx="6864817" cy="751279"/>
+          </a:xfrm>
+        </p:spPr>
+      </p:pic>
+    </p:spTree>
+    <p:extLst>
+      <p:ext uri="{BB962C8B-B14F-4D97-AF65-F5344CB8AC3E}">
+        <p14:creationId xmlns:p14="http://schemas.microsoft.com/office/powerpoint/2010/main" val="2055272856"/>
+      </p:ext>
+    </p:extLst>
+  </p:cSld>
+  <p:clrMapOvr>
+    <a:masterClrMapping/>
+  </p:clrMapOvr>
+</p:sld>
+</file>
+
+<file path=ppt/slides/slide14.xml><?xml version="1.0" encoding="utf-8"?>
+<p:sld xmlns:a="http://schemas.openxmlformats.org/drawingml/2006/main" xmlns:r="http://schemas.openxmlformats.org/officeDocument/2006/relationships" xmlns:p="http://schemas.openxmlformats.org/presentationml/2006/main">
+  <p:cSld>
+    <p:spTree>
+      <p:nvGrpSpPr>
+        <p:cNvPr id="1" name=""/>
+        <p:cNvGrpSpPr/>
+        <p:nvPr/>
+      </p:nvGrpSpPr>
+      <p:grpSpPr>
+        <a:xfrm>
+          <a:off x="0" y="0"/>
+          <a:ext cx="0" cy="0"/>
+          <a:chOff x="0" y="0"/>
+          <a:chExt cx="0" cy="0"/>
+        </a:xfrm>
+      </p:grpSpPr>
+      <p:sp>
+        <p:nvSpPr>
+          <p:cNvPr id="2" name="Title 1">
+            <a:extLst>
+              <a:ext uri="{FF2B5EF4-FFF2-40B4-BE49-F238E27FC236}">
+                <a16:creationId xmlns:a16="http://schemas.microsoft.com/office/drawing/2014/main" id="{344A412A-9697-4C5A-92F6-2ABB72BF6043}"/>
+              </a:ext>
+            </a:extLst>
+          </p:cNvPr>
+          <p:cNvSpPr>
+            <a:spLocks noGrp="1"/>
+          </p:cNvSpPr>
+          <p:nvPr>
+            <p:ph type="title"/>
+          </p:nvPr>
+        </p:nvSpPr>
+        <p:spPr/>
+        <p:txBody>
+          <a:bodyPr/>
+          <a:lstStyle/>
+          <a:p>
+            <a:r>
+              <a:rPr lang="en-US" dirty="0" err="1"/>
+              <a:t>Testiranje</a:t>
+            </a:r>
+            <a:r>
+              <a:rPr lang="en-US" dirty="0"/>
+              <a:t> </a:t>
+            </a:r>
+            <a:r>
+              <a:rPr lang="en-US" dirty="0" err="1"/>
+              <a:t>modela</a:t>
+            </a:r>
+            <a:r>
+              <a:rPr lang="en-US" dirty="0"/>
+              <a:t> </a:t>
+            </a:r>
+            <a:r>
+              <a:rPr lang="en-US" dirty="0" err="1"/>
+              <a:t>putem</a:t>
+            </a:r>
+            <a:endParaRPr lang="en-US" dirty="0"/>
+          </a:p>
+        </p:txBody>
+      </p:sp>
+      <p:sp>
+        <p:nvSpPr>
+          <p:cNvPr id="8" name="Content Placeholder 7">
+            <a:extLst>
+              <a:ext uri="{FF2B5EF4-FFF2-40B4-BE49-F238E27FC236}">
+                <a16:creationId xmlns:a16="http://schemas.microsoft.com/office/drawing/2014/main" id="{DE648A92-0005-4093-9AC2-9C3BC44C26EC}"/>
+              </a:ext>
+            </a:extLst>
+          </p:cNvPr>
+          <p:cNvSpPr>
+            <a:spLocks noGrp="1"/>
+          </p:cNvSpPr>
+          <p:nvPr>
+            <p:ph sz="half" idx="1"/>
+          </p:nvPr>
+        </p:nvSpPr>
+        <p:spPr>
+          <a:xfrm>
+            <a:off x="1371600" y="2285999"/>
+            <a:ext cx="2809783" cy="3581401"/>
+          </a:xfrm>
+        </p:spPr>
+        <p:txBody>
+          <a:bodyPr>
+            <a:normAutofit/>
+          </a:bodyPr>
+          <a:lstStyle/>
+          <a:p>
+            <a:r>
+              <a:rPr lang="en-US" dirty="0" err="1"/>
+              <a:t>Metoda</a:t>
+            </a:r>
+            <a:r>
+              <a:rPr lang="en-US" dirty="0"/>
+              <a:t> </a:t>
+            </a:r>
+            <a:r>
+              <a:rPr lang="en-US" dirty="0" err="1"/>
+              <a:t>koja</a:t>
+            </a:r>
+            <a:r>
+              <a:rPr lang="en-US" dirty="0"/>
+              <a:t> se </a:t>
+            </a:r>
+            <a:r>
+              <a:rPr lang="en-US" dirty="0" err="1"/>
+              <a:t>poziva</a:t>
+            </a:r>
+            <a:r>
+              <a:rPr lang="en-US" dirty="0"/>
+              <a:t> za </a:t>
+            </a:r>
+            <a:r>
+              <a:rPr lang="en-US" dirty="0" err="1"/>
+              <a:t>svaki</a:t>
+            </a:r>
+            <a:r>
+              <a:rPr lang="en-US" dirty="0"/>
+              <a:t> </a:t>
+            </a:r>
+            <a:r>
+              <a:rPr lang="en-US" dirty="0" err="1"/>
+              <a:t>podatak</a:t>
+            </a:r>
+            <a:r>
+              <a:rPr lang="en-US" dirty="0"/>
+              <a:t> </a:t>
+            </a:r>
+            <a:r>
+              <a:rPr lang="en-US" dirty="0" err="1"/>
+              <a:t>sa</a:t>
+            </a:r>
+            <a:r>
+              <a:rPr lang="en-US" dirty="0"/>
+              <a:t> </a:t>
+            </a:r>
+            <a:r>
+              <a:rPr lang="en-US" dirty="0" err="1"/>
+              <a:t>writestream</a:t>
+            </a:r>
+            <a:r>
+              <a:rPr lang="en-US" dirty="0"/>
+              <a:t>-a.</a:t>
+            </a:r>
+          </a:p>
+          <a:p>
+            <a:r>
+              <a:rPr lang="en-US" dirty="0" err="1"/>
+              <a:t>Priprema</a:t>
+            </a:r>
+            <a:r>
+              <a:rPr lang="en-US" dirty="0"/>
+              <a:t> </a:t>
+            </a:r>
+            <a:r>
+              <a:rPr lang="en-US" dirty="0" err="1"/>
+              <a:t>podatke</a:t>
+            </a:r>
+            <a:r>
+              <a:rPr lang="en-US" dirty="0"/>
+              <a:t> za </a:t>
+            </a:r>
+            <a:r>
+              <a:rPr lang="en-US" dirty="0" err="1"/>
+              <a:t>testiranje</a:t>
+            </a:r>
+            <a:r>
+              <a:rPr lang="en-US" dirty="0"/>
+              <a:t> </a:t>
+            </a:r>
+            <a:r>
+              <a:rPr lang="en-US" dirty="0" err="1"/>
+              <a:t>modela</a:t>
+            </a:r>
+            <a:r>
+              <a:rPr lang="en-US" dirty="0"/>
+              <a:t>(</a:t>
+            </a:r>
+            <a:r>
+              <a:rPr lang="en-US" dirty="0" err="1"/>
+              <a:t>Predvidjanje</a:t>
+            </a:r>
+            <a:r>
+              <a:rPr lang="en-US" dirty="0"/>
+              <a:t>).</a:t>
+            </a:r>
+          </a:p>
+        </p:txBody>
+      </p:sp>
+      <p:pic>
+        <p:nvPicPr>
+          <p:cNvPr id="6" name="Content Placeholder 5">
+            <a:extLst>
+              <a:ext uri="{FF2B5EF4-FFF2-40B4-BE49-F238E27FC236}">
+                <a16:creationId xmlns:a16="http://schemas.microsoft.com/office/drawing/2014/main" id="{EC4D9350-6C2D-4137-9FAC-9DCB5D4ED147}"/>
+              </a:ext>
+            </a:extLst>
+          </p:cNvPr>
+          <p:cNvPicPr>
+            <a:picLocks noGrp="1" noChangeAspect="1"/>
+          </p:cNvPicPr>
+          <p:nvPr>
+            <p:ph sz="half" idx="2"/>
+          </p:nvPr>
+        </p:nvPicPr>
+        <p:blipFill>
+          <a:blip r:embed="rId2"/>
+          <a:stretch>
+            <a:fillRect/>
+          </a:stretch>
+        </p:blipFill>
+        <p:spPr>
+          <a:xfrm>
+            <a:off x="4200997" y="2768367"/>
+            <a:ext cx="6771804" cy="1948181"/>
+          </a:xfrm>
+        </p:spPr>
+      </p:pic>
+    </p:spTree>
+    <p:extLst>
+      <p:ext uri="{BB962C8B-B14F-4D97-AF65-F5344CB8AC3E}">
+        <p14:creationId xmlns:p14="http://schemas.microsoft.com/office/powerpoint/2010/main" val="1918622820"/>
+      </p:ext>
+    </p:extLst>
+  </p:cSld>
+  <p:clrMapOvr>
+    <a:masterClrMapping/>
+  </p:clrMapOvr>
+</p:sld>
+</file>
+
+<file path=ppt/slides/slide15.xml><?xml version="1.0" encoding="utf-8"?>
+<p:sld xmlns:a="http://schemas.openxmlformats.org/drawingml/2006/main" xmlns:r="http://schemas.openxmlformats.org/officeDocument/2006/relationships" xmlns:p="http://schemas.openxmlformats.org/presentationml/2006/main">
+  <p:cSld>
+    <p:spTree>
+      <p:nvGrpSpPr>
+        <p:cNvPr id="1" name=""/>
+        <p:cNvGrpSpPr/>
+        <p:nvPr/>
+      </p:nvGrpSpPr>
+      <p:grpSpPr>
+        <a:xfrm>
+          <a:off x="0" y="0"/>
+          <a:ext cx="0" cy="0"/>
+          <a:chOff x="0" y="0"/>
+          <a:chExt cx="0" cy="0"/>
+        </a:xfrm>
+      </p:grpSpPr>
+      <p:sp>
+        <p:nvSpPr>
+          <p:cNvPr id="2" name="Title 1">
+            <a:extLst>
+              <a:ext uri="{FF2B5EF4-FFF2-40B4-BE49-F238E27FC236}">
+                <a16:creationId xmlns:a16="http://schemas.microsoft.com/office/drawing/2014/main" id="{344A412A-9697-4C5A-92F6-2ABB72BF6043}"/>
+              </a:ext>
+            </a:extLst>
+          </p:cNvPr>
+          <p:cNvSpPr>
+            <a:spLocks noGrp="1"/>
+          </p:cNvSpPr>
+          <p:nvPr>
+            <p:ph type="title"/>
+          </p:nvPr>
+        </p:nvSpPr>
+        <p:spPr/>
+        <p:txBody>
+          <a:bodyPr/>
+          <a:lstStyle/>
+          <a:p>
+            <a:r>
+              <a:rPr lang="en-US"/>
+              <a:t>Rezultati</a:t>
+            </a:r>
+            <a:endParaRPr lang="en-US" dirty="0"/>
+          </a:p>
+        </p:txBody>
+      </p:sp>
+      <p:sp>
+        <p:nvSpPr>
+          <p:cNvPr id="8" name="Content Placeholder 7">
+            <a:extLst>
+              <a:ext uri="{FF2B5EF4-FFF2-40B4-BE49-F238E27FC236}">
+                <a16:creationId xmlns:a16="http://schemas.microsoft.com/office/drawing/2014/main" id="{DE648A92-0005-4093-9AC2-9C3BC44C26EC}"/>
+              </a:ext>
+            </a:extLst>
+          </p:cNvPr>
+          <p:cNvSpPr>
+            <a:spLocks noGrp="1"/>
+          </p:cNvSpPr>
+          <p:nvPr>
+            <p:ph sz="half" idx="1"/>
+          </p:nvPr>
+        </p:nvSpPr>
+        <p:spPr>
+          <a:xfrm>
+            <a:off x="1371600" y="2285999"/>
+            <a:ext cx="2809783" cy="3581401"/>
+          </a:xfrm>
+        </p:spPr>
+        <p:txBody>
+          <a:bodyPr>
+            <a:normAutofit/>
+          </a:bodyPr>
+          <a:lstStyle/>
+          <a:p>
+            <a:r>
+              <a:rPr lang="en-US" dirty="0" err="1"/>
+              <a:t>Rezultati</a:t>
+            </a:r>
+            <a:r>
+              <a:rPr lang="en-US" dirty="0"/>
+              <a:t>.</a:t>
+            </a:r>
+          </a:p>
+        </p:txBody>
+      </p:sp>
+      <p:pic>
+        <p:nvPicPr>
+          <p:cNvPr id="12" name="Content Placeholder 11">
+            <a:extLst>
+              <a:ext uri="{FF2B5EF4-FFF2-40B4-BE49-F238E27FC236}">
+                <a16:creationId xmlns:a16="http://schemas.microsoft.com/office/drawing/2014/main" id="{0F80EB5A-703F-42C5-AC76-639ED3CF4B03}"/>
+              </a:ext>
+            </a:extLst>
+          </p:cNvPr>
+          <p:cNvPicPr>
+            <a:picLocks noGrp="1" noChangeAspect="1"/>
+          </p:cNvPicPr>
+          <p:nvPr>
+            <p:ph sz="half" idx="2"/>
+          </p:nvPr>
+        </p:nvPicPr>
+        <p:blipFill>
+          <a:blip r:embed="rId2"/>
+          <a:stretch>
+            <a:fillRect/>
+          </a:stretch>
+        </p:blipFill>
+        <p:spPr>
+          <a:xfrm>
+            <a:off x="4593527" y="2743200"/>
+            <a:ext cx="6379273" cy="2047263"/>
+          </a:xfrm>
+        </p:spPr>
+      </p:pic>
+    </p:spTree>
+    <p:extLst>
+      <p:ext uri="{BB962C8B-B14F-4D97-AF65-F5344CB8AC3E}">
+        <p14:creationId xmlns:p14="http://schemas.microsoft.com/office/powerpoint/2010/main" val="3700661566"/>
       </p:ext>
     </p:extLst>
   </p:cSld>
@@ -4848,10 +5762,10 @@
       </p:sp>
       <p:pic>
         <p:nvPicPr>
-          <p:cNvPr id="14" name="Content Placeholder 13">
+          <p:cNvPr id="11" name="Content Placeholder 10">
             <a:extLst>
               <a:ext uri="{FF2B5EF4-FFF2-40B4-BE49-F238E27FC236}">
-                <a16:creationId xmlns:a16="http://schemas.microsoft.com/office/drawing/2014/main" id="{69731341-B8EE-4269-811F-59B2963CCE21}"/>
+                <a16:creationId xmlns:a16="http://schemas.microsoft.com/office/drawing/2014/main" id="{B15B7AB8-8097-44BB-BF6B-4D74CE0D7B07}"/>
               </a:ext>
             </a:extLst>
           </p:cNvPr>
@@ -4870,8 +5784,8 @@
         </p:blipFill>
         <p:spPr>
           <a:xfrm>
-            <a:off x="5819387" y="2565648"/>
-            <a:ext cx="5510560" cy="3225878"/>
+            <a:off x="5881378" y="2565647"/>
+            <a:ext cx="5508655" cy="2902998"/>
           </a:xfrm>
         </p:spPr>
       </p:pic>
@@ -5224,7 +6138,7 @@
             </a:r>
             <a:r>
               <a:rPr lang="en-US" dirty="0"/>
-              <a:t> je 6:</a:t>
+              <a:t> je 5:</a:t>
             </a:r>
           </a:p>
           <a:p>
@@ -5701,10 +6615,10 @@
       </p:sp>
       <p:pic>
         <p:nvPicPr>
-          <p:cNvPr id="7" name="Content Placeholder 6">
+          <p:cNvPr id="6" name="Content Placeholder 5">
             <a:extLst>
               <a:ext uri="{FF2B5EF4-FFF2-40B4-BE49-F238E27FC236}">
-                <a16:creationId xmlns:a16="http://schemas.microsoft.com/office/drawing/2014/main" id="{B7C51690-CAE1-4EFB-87CA-E3F04C2311E0}"/>
+                <a16:creationId xmlns:a16="http://schemas.microsoft.com/office/drawing/2014/main" id="{29A50019-E44A-4B62-A043-A928E22C2CBE}"/>
               </a:ext>
             </a:extLst>
           </p:cNvPr>
@@ -5723,8 +6637,8 @@
         </p:blipFill>
         <p:spPr>
           <a:xfrm>
-            <a:off x="6524625" y="2698565"/>
-            <a:ext cx="4971913" cy="3080797"/>
+            <a:off x="5743211" y="2618913"/>
+            <a:ext cx="5229590" cy="2536557"/>
           </a:xfrm>
         </p:spPr>
       </p:pic>
